--- a/outputs/Figures.pptx
+++ b/outputs/Figures.pptx
@@ -7,6 +7,7 @@
   <p:sldIdLst>
     <p:sldId id="256" r:id="rId2"/>
     <p:sldId id="257" r:id="rId3"/>
+    <p:sldId id="258" r:id="rId4"/>
   </p:sldIdLst>
   <p:sldSz cx="9144000" cy="6858000" type="screen4x3"/>
   <p:notesSz cx="6858000" cy="9144000"/>
@@ -105,6 +106,11 @@
       </a:defRPr>
     </a:lvl9pPr>
   </p:defaultTextStyle>
+  <p:extLst>
+    <p:ext uri="{EFAFB233-063F-42B5-8137-9DF3F51BA10A}">
+      <p15:sldGuideLst xmlns:p15="http://schemas.microsoft.com/office/powerpoint/2012/main"/>
+    </p:ext>
+  </p:extLst>
 </p:presentation>
 </file>
 
@@ -239,7 +245,7 @@
           <a:p>
             <a:fld id="{E9B23B7C-432E-4D69-AF1C-60ED56ABBCA5}" type="datetimeFigureOut">
               <a:rPr lang="fr-FR" smtClean="0"/>
-              <a:t>22/12/2021</a:t>
+              <a:t>03/01/2022</a:t>
             </a:fld>
             <a:endParaRPr lang="fr-FR"/>
           </a:p>
@@ -409,7 +415,7 @@
           <a:p>
             <a:fld id="{E9B23B7C-432E-4D69-AF1C-60ED56ABBCA5}" type="datetimeFigureOut">
               <a:rPr lang="fr-FR" smtClean="0"/>
-              <a:t>22/12/2021</a:t>
+              <a:t>03/01/2022</a:t>
             </a:fld>
             <a:endParaRPr lang="fr-FR"/>
           </a:p>
@@ -589,7 +595,7 @@
           <a:p>
             <a:fld id="{E9B23B7C-432E-4D69-AF1C-60ED56ABBCA5}" type="datetimeFigureOut">
               <a:rPr lang="fr-FR" smtClean="0"/>
-              <a:t>22/12/2021</a:t>
+              <a:t>03/01/2022</a:t>
             </a:fld>
             <a:endParaRPr lang="fr-FR"/>
           </a:p>
@@ -759,7 +765,7 @@
           <a:p>
             <a:fld id="{E9B23B7C-432E-4D69-AF1C-60ED56ABBCA5}" type="datetimeFigureOut">
               <a:rPr lang="fr-FR" smtClean="0"/>
-              <a:t>22/12/2021</a:t>
+              <a:t>03/01/2022</a:t>
             </a:fld>
             <a:endParaRPr lang="fr-FR"/>
           </a:p>
@@ -1005,7 +1011,7 @@
           <a:p>
             <a:fld id="{E9B23B7C-432E-4D69-AF1C-60ED56ABBCA5}" type="datetimeFigureOut">
               <a:rPr lang="fr-FR" smtClean="0"/>
-              <a:t>22/12/2021</a:t>
+              <a:t>03/01/2022</a:t>
             </a:fld>
             <a:endParaRPr lang="fr-FR"/>
           </a:p>
@@ -1237,7 +1243,7 @@
           <a:p>
             <a:fld id="{E9B23B7C-432E-4D69-AF1C-60ED56ABBCA5}" type="datetimeFigureOut">
               <a:rPr lang="fr-FR" smtClean="0"/>
-              <a:t>22/12/2021</a:t>
+              <a:t>03/01/2022</a:t>
             </a:fld>
             <a:endParaRPr lang="fr-FR"/>
           </a:p>
@@ -1604,7 +1610,7 @@
           <a:p>
             <a:fld id="{E9B23B7C-432E-4D69-AF1C-60ED56ABBCA5}" type="datetimeFigureOut">
               <a:rPr lang="fr-FR" smtClean="0"/>
-              <a:t>22/12/2021</a:t>
+              <a:t>03/01/2022</a:t>
             </a:fld>
             <a:endParaRPr lang="fr-FR"/>
           </a:p>
@@ -1722,7 +1728,7 @@
           <a:p>
             <a:fld id="{E9B23B7C-432E-4D69-AF1C-60ED56ABBCA5}" type="datetimeFigureOut">
               <a:rPr lang="fr-FR" smtClean="0"/>
-              <a:t>22/12/2021</a:t>
+              <a:t>03/01/2022</a:t>
             </a:fld>
             <a:endParaRPr lang="fr-FR"/>
           </a:p>
@@ -1817,7 +1823,7 @@
           <a:p>
             <a:fld id="{E9B23B7C-432E-4D69-AF1C-60ED56ABBCA5}" type="datetimeFigureOut">
               <a:rPr lang="fr-FR" smtClean="0"/>
-              <a:t>22/12/2021</a:t>
+              <a:t>03/01/2022</a:t>
             </a:fld>
             <a:endParaRPr lang="fr-FR"/>
           </a:p>
@@ -2094,7 +2100,7 @@
           <a:p>
             <a:fld id="{E9B23B7C-432E-4D69-AF1C-60ED56ABBCA5}" type="datetimeFigureOut">
               <a:rPr lang="fr-FR" smtClean="0"/>
-              <a:t>22/12/2021</a:t>
+              <a:t>03/01/2022</a:t>
             </a:fld>
             <a:endParaRPr lang="fr-FR"/>
           </a:p>
@@ -2347,7 +2353,7 @@
           <a:p>
             <a:fld id="{E9B23B7C-432E-4D69-AF1C-60ED56ABBCA5}" type="datetimeFigureOut">
               <a:rPr lang="fr-FR" smtClean="0"/>
-              <a:t>22/12/2021</a:t>
+              <a:t>03/01/2022</a:t>
             </a:fld>
             <a:endParaRPr lang="fr-FR"/>
           </a:p>
@@ -2560,7 +2566,7 @@
           <a:p>
             <a:fld id="{E9B23B7C-432E-4D69-AF1C-60ED56ABBCA5}" type="datetimeFigureOut">
               <a:rPr lang="fr-FR" smtClean="0"/>
-              <a:t>22/12/2021</a:t>
+              <a:t>03/01/2022</a:t>
             </a:fld>
             <a:endParaRPr lang="fr-FR"/>
           </a:p>
@@ -2973,237 +2979,12 @@
         </p:nvGrpSpPr>
         <p:grpSpPr>
           <a:xfrm>
-            <a:off x="384169" y="167251"/>
-            <a:ext cx="8561290" cy="7828622"/>
-            <a:chOff x="384169" y="167251"/>
-            <a:chExt cx="8561290" cy="7828622"/>
+            <a:off x="326572" y="167251"/>
+            <a:ext cx="8413669" cy="7716360"/>
+            <a:chOff x="326572" y="167251"/>
+            <a:chExt cx="8413669" cy="7716360"/>
           </a:xfrm>
         </p:grpSpPr>
-        <p:grpSp>
-          <p:nvGrpSpPr>
-            <p:cNvPr id="12" name="Groupe 11"/>
-            <p:cNvGrpSpPr/>
-            <p:nvPr/>
-          </p:nvGrpSpPr>
-          <p:grpSpPr>
-            <a:xfrm>
-              <a:off x="384169" y="167251"/>
-              <a:ext cx="8561290" cy="7828622"/>
-              <a:chOff x="384169" y="167251"/>
-              <a:chExt cx="8561290" cy="7828622"/>
-            </a:xfrm>
-          </p:grpSpPr>
-          <p:pic>
-            <p:nvPicPr>
-              <p:cNvPr id="6" name="Image 5"/>
-              <p:cNvPicPr>
-                <a:picLocks noChangeAspect="1"/>
-              </p:cNvPicPr>
-              <p:nvPr/>
-            </p:nvPicPr>
-            <p:blipFill>
-              <a:blip r:embed="rId2">
-                <a:extLst>
-                  <a:ext uri="{28A0092B-C50C-407E-A947-70E740481C1C}">
-                    <a14:useLocalDpi xmlns:a14="http://schemas.microsoft.com/office/drawing/2010/main" val="0"/>
-                  </a:ext>
-                </a:extLst>
-              </a:blip>
-              <a:stretch>
-                <a:fillRect/>
-              </a:stretch>
-            </p:blipFill>
-            <p:spPr>
-              <a:xfrm>
-                <a:off x="384169" y="3612100"/>
-                <a:ext cx="4383773" cy="4383773"/>
-              </a:xfrm>
-              <a:prstGeom prst="rect">
-                <a:avLst/>
-              </a:prstGeom>
-            </p:spPr>
-          </p:pic>
-          <p:pic>
-            <p:nvPicPr>
-              <p:cNvPr id="7" name="Image 6"/>
-              <p:cNvPicPr>
-                <a:picLocks noChangeAspect="1"/>
-              </p:cNvPicPr>
-              <p:nvPr/>
-            </p:nvPicPr>
-            <p:blipFill>
-              <a:blip r:embed="rId3">
-                <a:extLst>
-                  <a:ext uri="{28A0092B-C50C-407E-A947-70E740481C1C}">
-                    <a14:useLocalDpi xmlns:a14="http://schemas.microsoft.com/office/drawing/2010/main" val="0"/>
-                  </a:ext>
-                </a:extLst>
-              </a:blip>
-              <a:stretch>
-                <a:fillRect/>
-              </a:stretch>
-            </p:blipFill>
-            <p:spPr>
-              <a:xfrm>
-                <a:off x="4561686" y="3612099"/>
-                <a:ext cx="4383773" cy="4383773"/>
-              </a:xfrm>
-              <a:prstGeom prst="rect">
-                <a:avLst/>
-              </a:prstGeom>
-            </p:spPr>
-          </p:pic>
-          <p:pic>
-            <p:nvPicPr>
-              <p:cNvPr id="4" name="Image 3"/>
-              <p:cNvPicPr>
-                <a:picLocks noChangeAspect="1"/>
-              </p:cNvPicPr>
-              <p:nvPr/>
-            </p:nvPicPr>
-            <p:blipFill>
-              <a:blip r:embed="rId4">
-                <a:extLst>
-                  <a:ext uri="{28A0092B-C50C-407E-A947-70E740481C1C}">
-                    <a14:useLocalDpi xmlns:a14="http://schemas.microsoft.com/office/drawing/2010/main" val="0"/>
-                  </a:ext>
-                </a:extLst>
-              </a:blip>
-              <a:stretch>
-                <a:fillRect/>
-              </a:stretch>
-            </p:blipFill>
-            <p:spPr>
-              <a:xfrm>
-                <a:off x="581460" y="167251"/>
-                <a:ext cx="3960612" cy="3960612"/>
-              </a:xfrm>
-              <a:prstGeom prst="rect">
-                <a:avLst/>
-              </a:prstGeom>
-            </p:spPr>
-          </p:pic>
-          <p:sp>
-            <p:nvSpPr>
-              <p:cNvPr id="8" name="ZoneTexte 7"/>
-              <p:cNvSpPr txBox="1"/>
-              <p:nvPr/>
-            </p:nvSpPr>
-            <p:spPr>
-              <a:xfrm>
-                <a:off x="396843" y="167251"/>
-                <a:ext cx="228437" cy="369332"/>
-              </a:xfrm>
-              <a:prstGeom prst="rect">
-                <a:avLst/>
-              </a:prstGeom>
-              <a:noFill/>
-            </p:spPr>
-            <p:txBody>
-              <a:bodyPr wrap="square" rtlCol="0">
-                <a:spAutoFit/>
-              </a:bodyPr>
-              <a:lstStyle/>
-              <a:p>
-                <a:r>
-                  <a:rPr lang="fr-FR" dirty="0" smtClean="0"/>
-                  <a:t>A</a:t>
-                </a:r>
-                <a:endParaRPr lang="fr-FR" dirty="0"/>
-              </a:p>
-            </p:txBody>
-          </p:sp>
-          <p:sp>
-            <p:nvSpPr>
-              <p:cNvPr id="9" name="ZoneTexte 8"/>
-              <p:cNvSpPr txBox="1"/>
-              <p:nvPr/>
-            </p:nvSpPr>
-            <p:spPr>
-              <a:xfrm>
-                <a:off x="4559119" y="167251"/>
-                <a:ext cx="228437" cy="369332"/>
-              </a:xfrm>
-              <a:prstGeom prst="rect">
-                <a:avLst/>
-              </a:prstGeom>
-              <a:noFill/>
-            </p:spPr>
-            <p:txBody>
-              <a:bodyPr wrap="square" rtlCol="0">
-                <a:spAutoFit/>
-              </a:bodyPr>
-              <a:lstStyle/>
-              <a:p>
-                <a:r>
-                  <a:rPr lang="fr-FR" dirty="0" smtClean="0"/>
-                  <a:t>B</a:t>
-                </a:r>
-                <a:endParaRPr lang="fr-FR" dirty="0"/>
-              </a:p>
-            </p:txBody>
-          </p:sp>
-          <p:sp>
-            <p:nvSpPr>
-              <p:cNvPr id="10" name="ZoneTexte 9"/>
-              <p:cNvSpPr txBox="1"/>
-              <p:nvPr/>
-            </p:nvSpPr>
-            <p:spPr>
-              <a:xfrm>
-                <a:off x="396843" y="4074831"/>
-                <a:ext cx="228437" cy="369332"/>
-              </a:xfrm>
-              <a:prstGeom prst="rect">
-                <a:avLst/>
-              </a:prstGeom>
-              <a:noFill/>
-            </p:spPr>
-            <p:txBody>
-              <a:bodyPr wrap="square" rtlCol="0">
-                <a:spAutoFit/>
-              </a:bodyPr>
-              <a:lstStyle/>
-              <a:p>
-                <a:r>
-                  <a:rPr lang="fr-FR" dirty="0"/>
-                  <a:t>C</a:t>
-                </a:r>
-                <a:endParaRPr lang="fr-FR" dirty="0"/>
-              </a:p>
-            </p:txBody>
-          </p:sp>
-          <p:sp>
-            <p:nvSpPr>
-              <p:cNvPr id="11" name="ZoneTexte 10"/>
-              <p:cNvSpPr txBox="1"/>
-              <p:nvPr/>
-            </p:nvSpPr>
-            <p:spPr>
-              <a:xfrm>
-                <a:off x="4559119" y="4074831"/>
-                <a:ext cx="228437" cy="369332"/>
-              </a:xfrm>
-              <a:prstGeom prst="rect">
-                <a:avLst/>
-              </a:prstGeom>
-              <a:noFill/>
-            </p:spPr>
-            <p:txBody>
-              <a:bodyPr wrap="square" rtlCol="0">
-                <a:spAutoFit/>
-              </a:bodyPr>
-              <a:lstStyle/>
-              <a:p>
-                <a:r>
-                  <a:rPr lang="fr-FR" dirty="0" smtClean="0"/>
-                  <a:t>D</a:t>
-                </a:r>
-                <a:endParaRPr lang="fr-FR" dirty="0"/>
-              </a:p>
-            </p:txBody>
-          </p:sp>
-        </p:grpSp>
         <p:pic>
           <p:nvPicPr>
             <p:cNvPr id="5" name="Image 4"/>
@@ -3213,7 +2994,7 @@
             <p:nvPr/>
           </p:nvPicPr>
           <p:blipFill>
-            <a:blip r:embed="rId5">
+            <a:blip r:embed="rId2">
               <a:extLst>
                 <a:ext uri="{28A0092B-C50C-407E-A947-70E740481C1C}">
                   <a14:useLocalDpi xmlns:a14="http://schemas.microsoft.com/office/drawing/2010/main" val="0"/>
@@ -3234,6 +3015,229 @@
             </a:prstGeom>
           </p:spPr>
         </p:pic>
+        <p:grpSp>
+          <p:nvGrpSpPr>
+            <p:cNvPr id="12" name="Groupe 11"/>
+            <p:cNvGrpSpPr/>
+            <p:nvPr/>
+          </p:nvGrpSpPr>
+          <p:grpSpPr>
+            <a:xfrm>
+              <a:off x="326572" y="167251"/>
+              <a:ext cx="8413669" cy="7716360"/>
+              <a:chOff x="326572" y="167251"/>
+              <a:chExt cx="8413669" cy="7716360"/>
+            </a:xfrm>
+          </p:grpSpPr>
+          <p:pic>
+            <p:nvPicPr>
+              <p:cNvPr id="7" name="Image 6"/>
+              <p:cNvPicPr>
+                <a:picLocks noChangeAspect="1"/>
+              </p:cNvPicPr>
+              <p:nvPr/>
+            </p:nvPicPr>
+            <p:blipFill rotWithShape="1">
+              <a:blip r:embed="rId3">
+                <a:extLst>
+                  <a:ext uri="{28A0092B-C50C-407E-A947-70E740481C1C}">
+                    <a14:useLocalDpi xmlns:a14="http://schemas.microsoft.com/office/drawing/2010/main" val="0"/>
+                  </a:ext>
+                </a:extLst>
+              </a:blip>
+              <a:srcRect t="10511" r="5163"/>
+              <a:stretch/>
+            </p:blipFill>
+            <p:spPr>
+              <a:xfrm>
+                <a:off x="4693800" y="4065373"/>
+                <a:ext cx="4046441" cy="3818238"/>
+              </a:xfrm>
+              <a:prstGeom prst="rect">
+                <a:avLst/>
+              </a:prstGeom>
+            </p:spPr>
+          </p:pic>
+          <p:pic>
+            <p:nvPicPr>
+              <p:cNvPr id="6" name="Image 5"/>
+              <p:cNvPicPr>
+                <a:picLocks noChangeAspect="1"/>
+              </p:cNvPicPr>
+              <p:nvPr/>
+            </p:nvPicPr>
+            <p:blipFill rotWithShape="1">
+              <a:blip r:embed="rId4">
+                <a:extLst>
+                  <a:ext uri="{28A0092B-C50C-407E-A947-70E740481C1C}">
+                    <a14:useLocalDpi xmlns:a14="http://schemas.microsoft.com/office/drawing/2010/main" val="0"/>
+                  </a:ext>
+                </a:extLst>
+              </a:blip>
+              <a:srcRect t="10612" r="4876"/>
+              <a:stretch/>
+            </p:blipFill>
+            <p:spPr>
+              <a:xfrm>
+                <a:off x="496432" y="4065373"/>
+                <a:ext cx="4063212" cy="3818238"/>
+              </a:xfrm>
+              <a:prstGeom prst="rect">
+                <a:avLst/>
+              </a:prstGeom>
+            </p:spPr>
+          </p:pic>
+          <p:pic>
+            <p:nvPicPr>
+              <p:cNvPr id="4" name="Image 3"/>
+              <p:cNvPicPr>
+                <a:picLocks noChangeAspect="1"/>
+              </p:cNvPicPr>
+              <p:nvPr/>
+            </p:nvPicPr>
+            <p:blipFill>
+              <a:blip r:embed="rId5">
+                <a:extLst>
+                  <a:ext uri="{28A0092B-C50C-407E-A947-70E740481C1C}">
+                    <a14:useLocalDpi xmlns:a14="http://schemas.microsoft.com/office/drawing/2010/main" val="0"/>
+                  </a:ext>
+                </a:extLst>
+              </a:blip>
+              <a:stretch>
+                <a:fillRect/>
+              </a:stretch>
+            </p:blipFill>
+            <p:spPr>
+              <a:xfrm>
+                <a:off x="581460" y="218806"/>
+                <a:ext cx="3960612" cy="3857502"/>
+              </a:xfrm>
+              <a:prstGeom prst="rect">
+                <a:avLst/>
+              </a:prstGeom>
+            </p:spPr>
+          </p:pic>
+          <p:sp>
+            <p:nvSpPr>
+              <p:cNvPr id="8" name="ZoneTexte 7"/>
+              <p:cNvSpPr txBox="1"/>
+              <p:nvPr/>
+            </p:nvSpPr>
+            <p:spPr>
+              <a:xfrm>
+                <a:off x="396843" y="167251"/>
+                <a:ext cx="452243" cy="369332"/>
+              </a:xfrm>
+              <a:prstGeom prst="rect">
+                <a:avLst/>
+              </a:prstGeom>
+              <a:noFill/>
+            </p:spPr>
+            <p:txBody>
+              <a:bodyPr wrap="square" rtlCol="0">
+                <a:spAutoFit/>
+              </a:bodyPr>
+              <a:lstStyle/>
+              <a:p>
+                <a:r>
+                  <a:rPr lang="fr-FR" dirty="0" smtClean="0"/>
+                  <a:t>(a)</a:t>
+                </a:r>
+                <a:endParaRPr lang="fr-FR" dirty="0"/>
+              </a:p>
+            </p:txBody>
+          </p:sp>
+          <p:sp>
+            <p:nvSpPr>
+              <p:cNvPr id="10" name="ZoneTexte 9"/>
+              <p:cNvSpPr txBox="1"/>
+              <p:nvPr/>
+            </p:nvSpPr>
+            <p:spPr>
+              <a:xfrm>
+                <a:off x="326572" y="4074831"/>
+                <a:ext cx="522514" cy="369332"/>
+              </a:xfrm>
+              <a:prstGeom prst="rect">
+                <a:avLst/>
+              </a:prstGeom>
+              <a:noFill/>
+            </p:spPr>
+            <p:txBody>
+              <a:bodyPr wrap="square" rtlCol="0">
+                <a:spAutoFit/>
+              </a:bodyPr>
+              <a:lstStyle/>
+              <a:p>
+                <a:r>
+                  <a:rPr lang="fr-FR" dirty="0" smtClean="0"/>
+                  <a:t>(c)</a:t>
+                </a:r>
+                <a:endParaRPr lang="fr-FR" dirty="0"/>
+              </a:p>
+            </p:txBody>
+          </p:sp>
+          <p:sp>
+            <p:nvSpPr>
+              <p:cNvPr id="11" name="ZoneTexte 10"/>
+              <p:cNvSpPr txBox="1"/>
+              <p:nvPr/>
+            </p:nvSpPr>
+            <p:spPr>
+              <a:xfrm>
+                <a:off x="4492947" y="4074831"/>
+                <a:ext cx="467484" cy="369332"/>
+              </a:xfrm>
+              <a:prstGeom prst="rect">
+                <a:avLst/>
+              </a:prstGeom>
+              <a:noFill/>
+            </p:spPr>
+            <p:txBody>
+              <a:bodyPr wrap="square" rtlCol="0">
+                <a:spAutoFit/>
+              </a:bodyPr>
+              <a:lstStyle/>
+              <a:p>
+                <a:r>
+                  <a:rPr lang="fr-FR" dirty="0" smtClean="0"/>
+                  <a:t>(d)</a:t>
+                </a:r>
+                <a:endParaRPr lang="fr-FR" dirty="0"/>
+              </a:p>
+            </p:txBody>
+          </p:sp>
+          <p:sp>
+            <p:nvSpPr>
+              <p:cNvPr id="9" name="ZoneTexte 8"/>
+              <p:cNvSpPr txBox="1"/>
+              <p:nvPr/>
+            </p:nvSpPr>
+            <p:spPr>
+              <a:xfrm>
+                <a:off x="4498328" y="167251"/>
+                <a:ext cx="457018" cy="369332"/>
+              </a:xfrm>
+              <a:prstGeom prst="rect">
+                <a:avLst/>
+              </a:prstGeom>
+              <a:noFill/>
+            </p:spPr>
+            <p:txBody>
+              <a:bodyPr wrap="square" rtlCol="0">
+                <a:spAutoFit/>
+              </a:bodyPr>
+              <a:lstStyle/>
+              <a:p>
+                <a:r>
+                  <a:rPr lang="fr-FR" dirty="0" smtClean="0"/>
+                  <a:t>(b)</a:t>
+                </a:r>
+                <a:endParaRPr lang="fr-FR" dirty="0"/>
+              </a:p>
+            </p:txBody>
+          </p:sp>
+        </p:grpSp>
       </p:grpSp>
     </p:spTree>
     <p:extLst>
@@ -3404,6 +3408,127 @@
     <p:extLst>
       <p:ext uri="{BB962C8B-B14F-4D97-AF65-F5344CB8AC3E}">
         <p14:creationId xmlns:p14="http://schemas.microsoft.com/office/powerpoint/2010/main" val="2326359904"/>
+      </p:ext>
+    </p:extLst>
+  </p:cSld>
+  <p:clrMapOvr>
+    <a:masterClrMapping/>
+  </p:clrMapOvr>
+</p:sld>
+</file>
+
+<file path=ppt/slides/slide3.xml><?xml version="1.0" encoding="utf-8"?>
+<p:sld xmlns:a="http://schemas.openxmlformats.org/drawingml/2006/main" xmlns:r="http://schemas.openxmlformats.org/officeDocument/2006/relationships" xmlns:p="http://schemas.openxmlformats.org/presentationml/2006/main">
+  <p:cSld>
+    <p:spTree>
+      <p:nvGrpSpPr>
+        <p:cNvPr id="1" name=""/>
+        <p:cNvGrpSpPr/>
+        <p:nvPr/>
+      </p:nvGrpSpPr>
+      <p:grpSpPr>
+        <a:xfrm>
+          <a:off x="0" y="0"/>
+          <a:ext cx="0" cy="0"/>
+          <a:chOff x="0" y="0"/>
+          <a:chExt cx="0" cy="0"/>
+        </a:xfrm>
+      </p:grpSpPr>
+      <p:grpSp>
+        <p:nvGrpSpPr>
+          <p:cNvPr id="6" name="Groupe 5"/>
+          <p:cNvGrpSpPr/>
+          <p:nvPr/>
+        </p:nvGrpSpPr>
+        <p:grpSpPr>
+          <a:xfrm>
+            <a:off x="1280153" y="137153"/>
+            <a:ext cx="6583693" cy="6583693"/>
+            <a:chOff x="1280153" y="137153"/>
+            <a:chExt cx="6583693" cy="6583693"/>
+          </a:xfrm>
+        </p:grpSpPr>
+        <p:pic>
+          <p:nvPicPr>
+            <p:cNvPr id="4" name="Image 3"/>
+            <p:cNvPicPr>
+              <a:picLocks noChangeAspect="1"/>
+            </p:cNvPicPr>
+            <p:nvPr/>
+          </p:nvPicPr>
+          <p:blipFill>
+            <a:blip r:embed="rId2" cstate="print">
+              <a:extLst>
+                <a:ext uri="{28A0092B-C50C-407E-A947-70E740481C1C}">
+                  <a14:useLocalDpi xmlns:a14="http://schemas.microsoft.com/office/drawing/2010/main" val="0"/>
+                </a:ext>
+              </a:extLst>
+            </a:blip>
+            <a:stretch>
+              <a:fillRect/>
+            </a:stretch>
+          </p:blipFill>
+          <p:spPr>
+            <a:xfrm>
+              <a:off x="1280153" y="137153"/>
+              <a:ext cx="6583693" cy="6583693"/>
+            </a:xfrm>
+            <a:prstGeom prst="rect">
+              <a:avLst/>
+            </a:prstGeom>
+          </p:spPr>
+        </p:pic>
+        <p:sp>
+          <p:nvSpPr>
+            <p:cNvPr id="5" name="Rectangle 4"/>
+            <p:cNvSpPr/>
+            <p:nvPr/>
+          </p:nvSpPr>
+          <p:spPr>
+            <a:xfrm>
+              <a:off x="1828800" y="333632"/>
+              <a:ext cx="5653088" cy="2822318"/>
+            </a:xfrm>
+            <a:prstGeom prst="rect">
+              <a:avLst/>
+            </a:prstGeom>
+            <a:noFill/>
+            <a:ln>
+              <a:solidFill>
+                <a:schemeClr val="tx1"/>
+              </a:solidFill>
+            </a:ln>
+          </p:spPr>
+          <p:style>
+            <a:lnRef idx="2">
+              <a:schemeClr val="accent1">
+                <a:shade val="50000"/>
+              </a:schemeClr>
+            </a:lnRef>
+            <a:fillRef idx="1">
+              <a:schemeClr val="accent1"/>
+            </a:fillRef>
+            <a:effectRef idx="0">
+              <a:schemeClr val="accent1"/>
+            </a:effectRef>
+            <a:fontRef idx="minor">
+              <a:schemeClr val="lt1"/>
+            </a:fontRef>
+          </p:style>
+          <p:txBody>
+            <a:bodyPr rtlCol="0" anchor="ctr"/>
+            <a:lstStyle/>
+            <a:p>
+              <a:pPr algn="ctr"/>
+              <a:endParaRPr lang="fr-FR"/>
+            </a:p>
+          </p:txBody>
+        </p:sp>
+      </p:grpSp>
+    </p:spTree>
+    <p:extLst>
+      <p:ext uri="{BB962C8B-B14F-4D97-AF65-F5344CB8AC3E}">
+        <p14:creationId xmlns:p14="http://schemas.microsoft.com/office/powerpoint/2010/main" val="2158072634"/>
       </p:ext>
     </p:extLst>
   </p:cSld>

--- a/outputs/Figures.pptx
+++ b/outputs/Figures.pptx
@@ -5,9 +5,8 @@
     <p:sldMasterId id="2147483648" r:id="rId1"/>
   </p:sldMasterIdLst>
   <p:sldIdLst>
-    <p:sldId id="256" r:id="rId2"/>
-    <p:sldId id="257" r:id="rId3"/>
-    <p:sldId id="258" r:id="rId4"/>
+    <p:sldId id="257" r:id="rId2"/>
+    <p:sldId id="258" r:id="rId3"/>
   </p:sldIdLst>
   <p:sldSz cx="9144000" cy="6858000" type="screen4x3"/>
   <p:notesSz cx="6858000" cy="9144000"/>
@@ -245,7 +244,7 @@
           <a:p>
             <a:fld id="{E9B23B7C-432E-4D69-AF1C-60ED56ABBCA5}" type="datetimeFigureOut">
               <a:rPr lang="fr-FR" smtClean="0"/>
-              <a:t>03/01/2022</a:t>
+              <a:t>06/01/2022</a:t>
             </a:fld>
             <a:endParaRPr lang="fr-FR"/>
           </a:p>
@@ -415,7 +414,7 @@
           <a:p>
             <a:fld id="{E9B23B7C-432E-4D69-AF1C-60ED56ABBCA5}" type="datetimeFigureOut">
               <a:rPr lang="fr-FR" smtClean="0"/>
-              <a:t>03/01/2022</a:t>
+              <a:t>06/01/2022</a:t>
             </a:fld>
             <a:endParaRPr lang="fr-FR"/>
           </a:p>
@@ -595,7 +594,7 @@
           <a:p>
             <a:fld id="{E9B23B7C-432E-4D69-AF1C-60ED56ABBCA5}" type="datetimeFigureOut">
               <a:rPr lang="fr-FR" smtClean="0"/>
-              <a:t>03/01/2022</a:t>
+              <a:t>06/01/2022</a:t>
             </a:fld>
             <a:endParaRPr lang="fr-FR"/>
           </a:p>
@@ -765,7 +764,7 @@
           <a:p>
             <a:fld id="{E9B23B7C-432E-4D69-AF1C-60ED56ABBCA5}" type="datetimeFigureOut">
               <a:rPr lang="fr-FR" smtClean="0"/>
-              <a:t>03/01/2022</a:t>
+              <a:t>06/01/2022</a:t>
             </a:fld>
             <a:endParaRPr lang="fr-FR"/>
           </a:p>
@@ -1011,7 +1010,7 @@
           <a:p>
             <a:fld id="{E9B23B7C-432E-4D69-AF1C-60ED56ABBCA5}" type="datetimeFigureOut">
               <a:rPr lang="fr-FR" smtClean="0"/>
-              <a:t>03/01/2022</a:t>
+              <a:t>06/01/2022</a:t>
             </a:fld>
             <a:endParaRPr lang="fr-FR"/>
           </a:p>
@@ -1243,7 +1242,7 @@
           <a:p>
             <a:fld id="{E9B23B7C-432E-4D69-AF1C-60ED56ABBCA5}" type="datetimeFigureOut">
               <a:rPr lang="fr-FR" smtClean="0"/>
-              <a:t>03/01/2022</a:t>
+              <a:t>06/01/2022</a:t>
             </a:fld>
             <a:endParaRPr lang="fr-FR"/>
           </a:p>
@@ -1610,7 +1609,7 @@
           <a:p>
             <a:fld id="{E9B23B7C-432E-4D69-AF1C-60ED56ABBCA5}" type="datetimeFigureOut">
               <a:rPr lang="fr-FR" smtClean="0"/>
-              <a:t>03/01/2022</a:t>
+              <a:t>06/01/2022</a:t>
             </a:fld>
             <a:endParaRPr lang="fr-FR"/>
           </a:p>
@@ -1728,7 +1727,7 @@
           <a:p>
             <a:fld id="{E9B23B7C-432E-4D69-AF1C-60ED56ABBCA5}" type="datetimeFigureOut">
               <a:rPr lang="fr-FR" smtClean="0"/>
-              <a:t>03/01/2022</a:t>
+              <a:t>06/01/2022</a:t>
             </a:fld>
             <a:endParaRPr lang="fr-FR"/>
           </a:p>
@@ -1823,7 +1822,7 @@
           <a:p>
             <a:fld id="{E9B23B7C-432E-4D69-AF1C-60ED56ABBCA5}" type="datetimeFigureOut">
               <a:rPr lang="fr-FR" smtClean="0"/>
-              <a:t>03/01/2022</a:t>
+              <a:t>06/01/2022</a:t>
             </a:fld>
             <a:endParaRPr lang="fr-FR"/>
           </a:p>
@@ -2100,7 +2099,7 @@
           <a:p>
             <a:fld id="{E9B23B7C-432E-4D69-AF1C-60ED56ABBCA5}" type="datetimeFigureOut">
               <a:rPr lang="fr-FR" smtClean="0"/>
-              <a:t>03/01/2022</a:t>
+              <a:t>06/01/2022</a:t>
             </a:fld>
             <a:endParaRPr lang="fr-FR"/>
           </a:p>
@@ -2353,7 +2352,7 @@
           <a:p>
             <a:fld id="{E9B23B7C-432E-4D69-AF1C-60ED56ABBCA5}" type="datetimeFigureOut">
               <a:rPr lang="fr-FR" smtClean="0"/>
-              <a:t>03/01/2022</a:t>
+              <a:t>06/01/2022</a:t>
             </a:fld>
             <a:endParaRPr lang="fr-FR"/>
           </a:p>
@@ -2566,7 +2565,7 @@
           <a:p>
             <a:fld id="{E9B23B7C-432E-4D69-AF1C-60ED56ABBCA5}" type="datetimeFigureOut">
               <a:rPr lang="fr-FR" smtClean="0"/>
-              <a:t>03/01/2022</a:t>
+              <a:t>06/01/2022</a:t>
             </a:fld>
             <a:endParaRPr lang="fr-FR"/>
           </a:p>
@@ -2973,304 +2972,6 @@
       </p:grpSpPr>
       <p:grpSp>
         <p:nvGrpSpPr>
-          <p:cNvPr id="13" name="Groupe 12"/>
-          <p:cNvGrpSpPr/>
-          <p:nvPr/>
-        </p:nvGrpSpPr>
-        <p:grpSpPr>
-          <a:xfrm>
-            <a:off x="326572" y="167251"/>
-            <a:ext cx="8413669" cy="7716360"/>
-            <a:chOff x="326572" y="167251"/>
-            <a:chExt cx="8413669" cy="7716360"/>
-          </a:xfrm>
-        </p:grpSpPr>
-        <p:pic>
-          <p:nvPicPr>
-            <p:cNvPr id="5" name="Image 4"/>
-            <p:cNvPicPr>
-              <a:picLocks noChangeAspect="1"/>
-            </p:cNvPicPr>
-            <p:nvPr/>
-          </p:nvPicPr>
-          <p:blipFill>
-            <a:blip r:embed="rId2">
-              <a:extLst>
-                <a:ext uri="{28A0092B-C50C-407E-A947-70E740481C1C}">
-                  <a14:useLocalDpi xmlns:a14="http://schemas.microsoft.com/office/drawing/2010/main" val="0"/>
-                </a:ext>
-              </a:extLst>
-            </a:blip>
-            <a:stretch>
-              <a:fillRect/>
-            </a:stretch>
-          </p:blipFill>
-          <p:spPr>
-            <a:xfrm>
-              <a:off x="4767942" y="167251"/>
-              <a:ext cx="3960612" cy="3960612"/>
-            </a:xfrm>
-            <a:prstGeom prst="rect">
-              <a:avLst/>
-            </a:prstGeom>
-          </p:spPr>
-        </p:pic>
-        <p:grpSp>
-          <p:nvGrpSpPr>
-            <p:cNvPr id="12" name="Groupe 11"/>
-            <p:cNvGrpSpPr/>
-            <p:nvPr/>
-          </p:nvGrpSpPr>
-          <p:grpSpPr>
-            <a:xfrm>
-              <a:off x="326572" y="167251"/>
-              <a:ext cx="8413669" cy="7716360"/>
-              <a:chOff x="326572" y="167251"/>
-              <a:chExt cx="8413669" cy="7716360"/>
-            </a:xfrm>
-          </p:grpSpPr>
-          <p:pic>
-            <p:nvPicPr>
-              <p:cNvPr id="7" name="Image 6"/>
-              <p:cNvPicPr>
-                <a:picLocks noChangeAspect="1"/>
-              </p:cNvPicPr>
-              <p:nvPr/>
-            </p:nvPicPr>
-            <p:blipFill rotWithShape="1">
-              <a:blip r:embed="rId3">
-                <a:extLst>
-                  <a:ext uri="{28A0092B-C50C-407E-A947-70E740481C1C}">
-                    <a14:useLocalDpi xmlns:a14="http://schemas.microsoft.com/office/drawing/2010/main" val="0"/>
-                  </a:ext>
-                </a:extLst>
-              </a:blip>
-              <a:srcRect t="10511" r="5163"/>
-              <a:stretch/>
-            </p:blipFill>
-            <p:spPr>
-              <a:xfrm>
-                <a:off x="4693800" y="4065373"/>
-                <a:ext cx="4046441" cy="3818238"/>
-              </a:xfrm>
-              <a:prstGeom prst="rect">
-                <a:avLst/>
-              </a:prstGeom>
-            </p:spPr>
-          </p:pic>
-          <p:pic>
-            <p:nvPicPr>
-              <p:cNvPr id="6" name="Image 5"/>
-              <p:cNvPicPr>
-                <a:picLocks noChangeAspect="1"/>
-              </p:cNvPicPr>
-              <p:nvPr/>
-            </p:nvPicPr>
-            <p:blipFill rotWithShape="1">
-              <a:blip r:embed="rId4">
-                <a:extLst>
-                  <a:ext uri="{28A0092B-C50C-407E-A947-70E740481C1C}">
-                    <a14:useLocalDpi xmlns:a14="http://schemas.microsoft.com/office/drawing/2010/main" val="0"/>
-                  </a:ext>
-                </a:extLst>
-              </a:blip>
-              <a:srcRect t="10612" r="4876"/>
-              <a:stretch/>
-            </p:blipFill>
-            <p:spPr>
-              <a:xfrm>
-                <a:off x="496432" y="4065373"/>
-                <a:ext cx="4063212" cy="3818238"/>
-              </a:xfrm>
-              <a:prstGeom prst="rect">
-                <a:avLst/>
-              </a:prstGeom>
-            </p:spPr>
-          </p:pic>
-          <p:pic>
-            <p:nvPicPr>
-              <p:cNvPr id="4" name="Image 3"/>
-              <p:cNvPicPr>
-                <a:picLocks noChangeAspect="1"/>
-              </p:cNvPicPr>
-              <p:nvPr/>
-            </p:nvPicPr>
-            <p:blipFill>
-              <a:blip r:embed="rId5">
-                <a:extLst>
-                  <a:ext uri="{28A0092B-C50C-407E-A947-70E740481C1C}">
-                    <a14:useLocalDpi xmlns:a14="http://schemas.microsoft.com/office/drawing/2010/main" val="0"/>
-                  </a:ext>
-                </a:extLst>
-              </a:blip>
-              <a:stretch>
-                <a:fillRect/>
-              </a:stretch>
-            </p:blipFill>
-            <p:spPr>
-              <a:xfrm>
-                <a:off x="581460" y="218806"/>
-                <a:ext cx="3960612" cy="3857502"/>
-              </a:xfrm>
-              <a:prstGeom prst="rect">
-                <a:avLst/>
-              </a:prstGeom>
-            </p:spPr>
-          </p:pic>
-          <p:sp>
-            <p:nvSpPr>
-              <p:cNvPr id="8" name="ZoneTexte 7"/>
-              <p:cNvSpPr txBox="1"/>
-              <p:nvPr/>
-            </p:nvSpPr>
-            <p:spPr>
-              <a:xfrm>
-                <a:off x="396843" y="167251"/>
-                <a:ext cx="452243" cy="369332"/>
-              </a:xfrm>
-              <a:prstGeom prst="rect">
-                <a:avLst/>
-              </a:prstGeom>
-              <a:noFill/>
-            </p:spPr>
-            <p:txBody>
-              <a:bodyPr wrap="square" rtlCol="0">
-                <a:spAutoFit/>
-              </a:bodyPr>
-              <a:lstStyle/>
-              <a:p>
-                <a:r>
-                  <a:rPr lang="fr-FR" dirty="0" smtClean="0"/>
-                  <a:t>(a)</a:t>
-                </a:r>
-                <a:endParaRPr lang="fr-FR" dirty="0"/>
-              </a:p>
-            </p:txBody>
-          </p:sp>
-          <p:sp>
-            <p:nvSpPr>
-              <p:cNvPr id="10" name="ZoneTexte 9"/>
-              <p:cNvSpPr txBox="1"/>
-              <p:nvPr/>
-            </p:nvSpPr>
-            <p:spPr>
-              <a:xfrm>
-                <a:off x="326572" y="4074831"/>
-                <a:ext cx="522514" cy="369332"/>
-              </a:xfrm>
-              <a:prstGeom prst="rect">
-                <a:avLst/>
-              </a:prstGeom>
-              <a:noFill/>
-            </p:spPr>
-            <p:txBody>
-              <a:bodyPr wrap="square" rtlCol="0">
-                <a:spAutoFit/>
-              </a:bodyPr>
-              <a:lstStyle/>
-              <a:p>
-                <a:r>
-                  <a:rPr lang="fr-FR" dirty="0" smtClean="0"/>
-                  <a:t>(c)</a:t>
-                </a:r>
-                <a:endParaRPr lang="fr-FR" dirty="0"/>
-              </a:p>
-            </p:txBody>
-          </p:sp>
-          <p:sp>
-            <p:nvSpPr>
-              <p:cNvPr id="11" name="ZoneTexte 10"/>
-              <p:cNvSpPr txBox="1"/>
-              <p:nvPr/>
-            </p:nvSpPr>
-            <p:spPr>
-              <a:xfrm>
-                <a:off x="4492947" y="4074831"/>
-                <a:ext cx="467484" cy="369332"/>
-              </a:xfrm>
-              <a:prstGeom prst="rect">
-                <a:avLst/>
-              </a:prstGeom>
-              <a:noFill/>
-            </p:spPr>
-            <p:txBody>
-              <a:bodyPr wrap="square" rtlCol="0">
-                <a:spAutoFit/>
-              </a:bodyPr>
-              <a:lstStyle/>
-              <a:p>
-                <a:r>
-                  <a:rPr lang="fr-FR" dirty="0" smtClean="0"/>
-                  <a:t>(d)</a:t>
-                </a:r>
-                <a:endParaRPr lang="fr-FR" dirty="0"/>
-              </a:p>
-            </p:txBody>
-          </p:sp>
-          <p:sp>
-            <p:nvSpPr>
-              <p:cNvPr id="9" name="ZoneTexte 8"/>
-              <p:cNvSpPr txBox="1"/>
-              <p:nvPr/>
-            </p:nvSpPr>
-            <p:spPr>
-              <a:xfrm>
-                <a:off x="4498328" y="167251"/>
-                <a:ext cx="457018" cy="369332"/>
-              </a:xfrm>
-              <a:prstGeom prst="rect">
-                <a:avLst/>
-              </a:prstGeom>
-              <a:noFill/>
-            </p:spPr>
-            <p:txBody>
-              <a:bodyPr wrap="square" rtlCol="0">
-                <a:spAutoFit/>
-              </a:bodyPr>
-              <a:lstStyle/>
-              <a:p>
-                <a:r>
-                  <a:rPr lang="fr-FR" dirty="0" smtClean="0"/>
-                  <a:t>(b)</a:t>
-                </a:r>
-                <a:endParaRPr lang="fr-FR" dirty="0"/>
-              </a:p>
-            </p:txBody>
-          </p:sp>
-        </p:grpSp>
-      </p:grpSp>
-    </p:spTree>
-    <p:extLst>
-      <p:ext uri="{BB962C8B-B14F-4D97-AF65-F5344CB8AC3E}">
-        <p14:creationId xmlns:p14="http://schemas.microsoft.com/office/powerpoint/2010/main" val="2843563677"/>
-      </p:ext>
-    </p:extLst>
-  </p:cSld>
-  <p:clrMapOvr>
-    <a:masterClrMapping/>
-  </p:clrMapOvr>
-</p:sld>
-</file>
-
-<file path=ppt/slides/slide2.xml><?xml version="1.0" encoding="utf-8"?>
-<p:sld xmlns:a="http://schemas.openxmlformats.org/drawingml/2006/main" xmlns:r="http://schemas.openxmlformats.org/officeDocument/2006/relationships" xmlns:p="http://schemas.openxmlformats.org/presentationml/2006/main">
-  <p:cSld>
-    <p:spTree>
-      <p:nvGrpSpPr>
-        <p:cNvPr id="1" name=""/>
-        <p:cNvGrpSpPr/>
-        <p:nvPr/>
-      </p:nvGrpSpPr>
-      <p:grpSpPr>
-        <a:xfrm>
-          <a:off x="0" y="0"/>
-          <a:ext cx="0" cy="0"/>
-          <a:chOff x="0" y="0"/>
-          <a:chExt cx="0" cy="0"/>
-        </a:xfrm>
-      </p:grpSpPr>
-      <p:grpSp>
-        <p:nvGrpSpPr>
           <p:cNvPr id="8" name="Groupe 7"/>
           <p:cNvGrpSpPr/>
           <p:nvPr/>
@@ -3417,7 +3118,7 @@
 </p:sld>
 </file>
 
-<file path=ppt/slides/slide3.xml><?xml version="1.0" encoding="utf-8"?>
+<file path=ppt/slides/slide2.xml><?xml version="1.0" encoding="utf-8"?>
 <p:sld xmlns:a="http://schemas.openxmlformats.org/drawingml/2006/main" xmlns:r="http://schemas.openxmlformats.org/officeDocument/2006/relationships" xmlns:p="http://schemas.openxmlformats.org/presentationml/2006/main">
   <p:cSld>
     <p:spTree>
@@ -3495,7 +3196,10 @@
             <a:noFill/>
             <a:ln>
               <a:solidFill>
-                <a:schemeClr val="tx1"/>
+                <a:schemeClr val="tx1">
+                  <a:lumMod val="50000"/>
+                  <a:lumOff val="50000"/>
+                </a:schemeClr>
               </a:solidFill>
             </a:ln>
           </p:spPr>

--- a/outputs/Figures.pptx
+++ b/outputs/Figures.pptx
@@ -7,6 +7,7 @@
   <p:sldIdLst>
     <p:sldId id="257" r:id="rId2"/>
     <p:sldId id="258" r:id="rId3"/>
+    <p:sldId id="259" r:id="rId4"/>
   </p:sldIdLst>
   <p:sldSz cx="9144000" cy="6858000" type="screen4x3"/>
   <p:notesSz cx="6858000" cy="9144000"/>
@@ -244,7 +245,7 @@
           <a:p>
             <a:fld id="{E9B23B7C-432E-4D69-AF1C-60ED56ABBCA5}" type="datetimeFigureOut">
               <a:rPr lang="fr-FR" smtClean="0"/>
-              <a:t>06/01/2022</a:t>
+              <a:t>16/01/2022</a:t>
             </a:fld>
             <a:endParaRPr lang="fr-FR"/>
           </a:p>
@@ -414,7 +415,7 @@
           <a:p>
             <a:fld id="{E9B23B7C-432E-4D69-AF1C-60ED56ABBCA5}" type="datetimeFigureOut">
               <a:rPr lang="fr-FR" smtClean="0"/>
-              <a:t>06/01/2022</a:t>
+              <a:t>16/01/2022</a:t>
             </a:fld>
             <a:endParaRPr lang="fr-FR"/>
           </a:p>
@@ -594,7 +595,7 @@
           <a:p>
             <a:fld id="{E9B23B7C-432E-4D69-AF1C-60ED56ABBCA5}" type="datetimeFigureOut">
               <a:rPr lang="fr-FR" smtClean="0"/>
-              <a:t>06/01/2022</a:t>
+              <a:t>16/01/2022</a:t>
             </a:fld>
             <a:endParaRPr lang="fr-FR"/>
           </a:p>
@@ -764,7 +765,7 @@
           <a:p>
             <a:fld id="{E9B23B7C-432E-4D69-AF1C-60ED56ABBCA5}" type="datetimeFigureOut">
               <a:rPr lang="fr-FR" smtClean="0"/>
-              <a:t>06/01/2022</a:t>
+              <a:t>16/01/2022</a:t>
             </a:fld>
             <a:endParaRPr lang="fr-FR"/>
           </a:p>
@@ -1010,7 +1011,7 @@
           <a:p>
             <a:fld id="{E9B23B7C-432E-4D69-AF1C-60ED56ABBCA5}" type="datetimeFigureOut">
               <a:rPr lang="fr-FR" smtClean="0"/>
-              <a:t>06/01/2022</a:t>
+              <a:t>16/01/2022</a:t>
             </a:fld>
             <a:endParaRPr lang="fr-FR"/>
           </a:p>
@@ -1242,7 +1243,7 @@
           <a:p>
             <a:fld id="{E9B23B7C-432E-4D69-AF1C-60ED56ABBCA5}" type="datetimeFigureOut">
               <a:rPr lang="fr-FR" smtClean="0"/>
-              <a:t>06/01/2022</a:t>
+              <a:t>16/01/2022</a:t>
             </a:fld>
             <a:endParaRPr lang="fr-FR"/>
           </a:p>
@@ -1609,7 +1610,7 @@
           <a:p>
             <a:fld id="{E9B23B7C-432E-4D69-AF1C-60ED56ABBCA5}" type="datetimeFigureOut">
               <a:rPr lang="fr-FR" smtClean="0"/>
-              <a:t>06/01/2022</a:t>
+              <a:t>16/01/2022</a:t>
             </a:fld>
             <a:endParaRPr lang="fr-FR"/>
           </a:p>
@@ -1727,7 +1728,7 @@
           <a:p>
             <a:fld id="{E9B23B7C-432E-4D69-AF1C-60ED56ABBCA5}" type="datetimeFigureOut">
               <a:rPr lang="fr-FR" smtClean="0"/>
-              <a:t>06/01/2022</a:t>
+              <a:t>16/01/2022</a:t>
             </a:fld>
             <a:endParaRPr lang="fr-FR"/>
           </a:p>
@@ -1822,7 +1823,7 @@
           <a:p>
             <a:fld id="{E9B23B7C-432E-4D69-AF1C-60ED56ABBCA5}" type="datetimeFigureOut">
               <a:rPr lang="fr-FR" smtClean="0"/>
-              <a:t>06/01/2022</a:t>
+              <a:t>16/01/2022</a:t>
             </a:fld>
             <a:endParaRPr lang="fr-FR"/>
           </a:p>
@@ -2099,7 +2100,7 @@
           <a:p>
             <a:fld id="{E9B23B7C-432E-4D69-AF1C-60ED56ABBCA5}" type="datetimeFigureOut">
               <a:rPr lang="fr-FR" smtClean="0"/>
-              <a:t>06/01/2022</a:t>
+              <a:t>16/01/2022</a:t>
             </a:fld>
             <a:endParaRPr lang="fr-FR"/>
           </a:p>
@@ -2352,7 +2353,7 @@
           <a:p>
             <a:fld id="{E9B23B7C-432E-4D69-AF1C-60ED56ABBCA5}" type="datetimeFigureOut">
               <a:rPr lang="fr-FR" smtClean="0"/>
-              <a:t>06/01/2022</a:t>
+              <a:t>16/01/2022</a:t>
             </a:fld>
             <a:endParaRPr lang="fr-FR"/>
           </a:p>
@@ -2565,7 +2566,7 @@
           <a:p>
             <a:fld id="{E9B23B7C-432E-4D69-AF1C-60ED56ABBCA5}" type="datetimeFigureOut">
               <a:rPr lang="fr-FR" smtClean="0"/>
-              <a:t>06/01/2022</a:t>
+              <a:t>16/01/2022</a:t>
             </a:fld>
             <a:endParaRPr lang="fr-FR"/>
           </a:p>
@@ -3242,6 +3243,291 @@
 </p:sld>
 </file>
 
+<file path=ppt/slides/slide3.xml><?xml version="1.0" encoding="utf-8"?>
+<p:sld xmlns:a="http://schemas.openxmlformats.org/drawingml/2006/main" xmlns:r="http://schemas.openxmlformats.org/officeDocument/2006/relationships" xmlns:p="http://schemas.openxmlformats.org/presentationml/2006/main">
+  <p:cSld>
+    <p:spTree>
+      <p:nvGrpSpPr>
+        <p:cNvPr id="1" name=""/>
+        <p:cNvGrpSpPr/>
+        <p:nvPr/>
+      </p:nvGrpSpPr>
+      <p:grpSpPr>
+        <a:xfrm>
+          <a:off x="0" y="0"/>
+          <a:ext cx="0" cy="0"/>
+          <a:chOff x="0" y="0"/>
+          <a:chExt cx="0" cy="0"/>
+        </a:xfrm>
+      </p:grpSpPr>
+      <p:grpSp>
+        <p:nvGrpSpPr>
+          <p:cNvPr id="12" name="Groupe 11"/>
+          <p:cNvGrpSpPr/>
+          <p:nvPr/>
+        </p:nvGrpSpPr>
+        <p:grpSpPr>
+          <a:xfrm>
+            <a:off x="467289" y="107014"/>
+            <a:ext cx="7631816" cy="6698522"/>
+            <a:chOff x="467289" y="107014"/>
+            <a:chExt cx="7631816" cy="6698522"/>
+          </a:xfrm>
+        </p:grpSpPr>
+        <p:pic>
+          <p:nvPicPr>
+            <p:cNvPr id="6" name="Image 5"/>
+            <p:cNvPicPr>
+              <a:picLocks noChangeAspect="1"/>
+            </p:cNvPicPr>
+            <p:nvPr/>
+          </p:nvPicPr>
+          <p:blipFill>
+            <a:blip r:embed="rId2">
+              <a:extLst>
+                <a:ext uri="{28A0092B-C50C-407E-A947-70E740481C1C}">
+                  <a14:useLocalDpi xmlns:a14="http://schemas.microsoft.com/office/drawing/2010/main" val="0"/>
+                </a:ext>
+              </a:extLst>
+            </a:blip>
+            <a:stretch>
+              <a:fillRect/>
+            </a:stretch>
+          </p:blipFill>
+          <p:spPr>
+            <a:xfrm>
+              <a:off x="539196" y="3290186"/>
+              <a:ext cx="3773621" cy="3515350"/>
+            </a:xfrm>
+            <a:prstGeom prst="rect">
+              <a:avLst/>
+            </a:prstGeom>
+          </p:spPr>
+        </p:pic>
+        <p:pic>
+          <p:nvPicPr>
+            <p:cNvPr id="5" name="Image 4"/>
+            <p:cNvPicPr>
+              <a:picLocks noChangeAspect="1"/>
+            </p:cNvPicPr>
+            <p:nvPr/>
+          </p:nvPicPr>
+          <p:blipFill>
+            <a:blip r:embed="rId3">
+              <a:extLst>
+                <a:ext uri="{28A0092B-C50C-407E-A947-70E740481C1C}">
+                  <a14:useLocalDpi xmlns:a14="http://schemas.microsoft.com/office/drawing/2010/main" val="0"/>
+                </a:ext>
+              </a:extLst>
+            </a:blip>
+            <a:stretch>
+              <a:fillRect/>
+            </a:stretch>
+          </p:blipFill>
+          <p:spPr>
+            <a:xfrm>
+              <a:off x="4325484" y="3264790"/>
+              <a:ext cx="3773621" cy="3515350"/>
+            </a:xfrm>
+            <a:prstGeom prst="rect">
+              <a:avLst/>
+            </a:prstGeom>
+          </p:spPr>
+        </p:pic>
+        <p:pic>
+          <p:nvPicPr>
+            <p:cNvPr id="4" name="Image 3"/>
+            <p:cNvPicPr>
+              <a:picLocks noChangeAspect="1"/>
+            </p:cNvPicPr>
+            <p:nvPr/>
+          </p:nvPicPr>
+          <p:blipFill>
+            <a:blip r:embed="rId4">
+              <a:extLst>
+                <a:ext uri="{28A0092B-C50C-407E-A947-70E740481C1C}">
+                  <a14:useLocalDpi xmlns:a14="http://schemas.microsoft.com/office/drawing/2010/main" val="0"/>
+                </a:ext>
+              </a:extLst>
+            </a:blip>
+            <a:stretch>
+              <a:fillRect/>
+            </a:stretch>
+          </p:blipFill>
+          <p:spPr>
+            <a:xfrm>
+              <a:off x="4283197" y="153383"/>
+              <a:ext cx="3741332" cy="3485272"/>
+            </a:xfrm>
+            <a:prstGeom prst="rect">
+              <a:avLst/>
+            </a:prstGeom>
+          </p:spPr>
+        </p:pic>
+        <p:pic>
+          <p:nvPicPr>
+            <p:cNvPr id="7" name="Image 6"/>
+            <p:cNvPicPr>
+              <a:picLocks noChangeAspect="1"/>
+            </p:cNvPicPr>
+            <p:nvPr/>
+          </p:nvPicPr>
+          <p:blipFill>
+            <a:blip r:embed="rId5">
+              <a:extLst>
+                <a:ext uri="{28A0092B-C50C-407E-A947-70E740481C1C}">
+                  <a14:useLocalDpi xmlns:a14="http://schemas.microsoft.com/office/drawing/2010/main" val="0"/>
+                </a:ext>
+              </a:extLst>
+            </a:blip>
+            <a:stretch>
+              <a:fillRect/>
+            </a:stretch>
+          </p:blipFill>
+          <p:spPr>
+            <a:xfrm>
+              <a:off x="491820" y="107014"/>
+              <a:ext cx="3791377" cy="3578010"/>
+            </a:xfrm>
+            <a:prstGeom prst="rect">
+              <a:avLst/>
+            </a:prstGeom>
+          </p:spPr>
+        </p:pic>
+        <p:sp>
+          <p:nvSpPr>
+            <p:cNvPr id="8" name="ZoneTexte 7"/>
+            <p:cNvSpPr txBox="1"/>
+            <p:nvPr/>
+          </p:nvSpPr>
+          <p:spPr>
+            <a:xfrm>
+              <a:off x="467289" y="404948"/>
+              <a:ext cx="274195" cy="461665"/>
+            </a:xfrm>
+            <a:prstGeom prst="rect">
+              <a:avLst/>
+            </a:prstGeom>
+            <a:noFill/>
+          </p:spPr>
+          <p:txBody>
+            <a:bodyPr wrap="square" rtlCol="0">
+              <a:spAutoFit/>
+            </a:bodyPr>
+            <a:lstStyle/>
+            <a:p>
+              <a:r>
+                <a:rPr lang="fr-FR" sz="2400" b="1" dirty="0" smtClean="0"/>
+                <a:t>a</a:t>
+              </a:r>
+              <a:endParaRPr lang="fr-FR" sz="2400" b="1" dirty="0"/>
+            </a:p>
+          </p:txBody>
+        </p:sp>
+        <p:sp>
+          <p:nvSpPr>
+            <p:cNvPr id="9" name="ZoneTexte 8"/>
+            <p:cNvSpPr txBox="1"/>
+            <p:nvPr/>
+          </p:nvSpPr>
+          <p:spPr>
+            <a:xfrm>
+              <a:off x="4307728" y="404948"/>
+              <a:ext cx="274195" cy="461665"/>
+            </a:xfrm>
+            <a:prstGeom prst="rect">
+              <a:avLst/>
+            </a:prstGeom>
+            <a:noFill/>
+          </p:spPr>
+          <p:txBody>
+            <a:bodyPr wrap="square" rtlCol="0">
+              <a:spAutoFit/>
+            </a:bodyPr>
+            <a:lstStyle/>
+            <a:p>
+              <a:r>
+                <a:rPr lang="fr-FR" sz="2400" b="1" dirty="0" smtClean="0"/>
+                <a:t>b</a:t>
+              </a:r>
+              <a:endParaRPr lang="fr-FR" sz="2400" b="1" dirty="0"/>
+            </a:p>
+          </p:txBody>
+        </p:sp>
+        <p:sp>
+          <p:nvSpPr>
+            <p:cNvPr id="10" name="ZoneTexte 9"/>
+            <p:cNvSpPr txBox="1"/>
+            <p:nvPr/>
+          </p:nvSpPr>
+          <p:spPr>
+            <a:xfrm>
+              <a:off x="509576" y="3407822"/>
+              <a:ext cx="274195" cy="461665"/>
+            </a:xfrm>
+            <a:prstGeom prst="rect">
+              <a:avLst/>
+            </a:prstGeom>
+            <a:noFill/>
+          </p:spPr>
+          <p:txBody>
+            <a:bodyPr wrap="square" rtlCol="0">
+              <a:spAutoFit/>
+            </a:bodyPr>
+            <a:lstStyle/>
+            <a:p>
+              <a:r>
+                <a:rPr lang="fr-FR" sz="2400" b="1" dirty="0" smtClean="0"/>
+                <a:t>c</a:t>
+              </a:r>
+              <a:endParaRPr lang="fr-FR" sz="2400" b="1" dirty="0"/>
+            </a:p>
+          </p:txBody>
+        </p:sp>
+        <p:sp>
+          <p:nvSpPr>
+            <p:cNvPr id="11" name="ZoneTexte 10"/>
+            <p:cNvSpPr txBox="1"/>
+            <p:nvPr/>
+          </p:nvSpPr>
+          <p:spPr>
+            <a:xfrm>
+              <a:off x="4300953" y="3407821"/>
+              <a:ext cx="274195" cy="461665"/>
+            </a:xfrm>
+            <a:prstGeom prst="rect">
+              <a:avLst/>
+            </a:prstGeom>
+            <a:noFill/>
+          </p:spPr>
+          <p:txBody>
+            <a:bodyPr wrap="square" rtlCol="0">
+              <a:spAutoFit/>
+            </a:bodyPr>
+            <a:lstStyle/>
+            <a:p>
+              <a:r>
+                <a:rPr lang="fr-FR" sz="2400" b="1" dirty="0" smtClean="0"/>
+                <a:t>d</a:t>
+              </a:r>
+              <a:endParaRPr lang="fr-FR" sz="2400" b="1" dirty="0"/>
+            </a:p>
+          </p:txBody>
+        </p:sp>
+      </p:grpSp>
+    </p:spTree>
+    <p:extLst>
+      <p:ext uri="{BB962C8B-B14F-4D97-AF65-F5344CB8AC3E}">
+        <p14:creationId xmlns:p14="http://schemas.microsoft.com/office/powerpoint/2010/main" val="1160895129"/>
+      </p:ext>
+    </p:extLst>
+  </p:cSld>
+  <p:clrMapOvr>
+    <a:masterClrMapping/>
+  </p:clrMapOvr>
+</p:sld>
+</file>
+
 <file path=ppt/theme/theme1.xml><?xml version="1.0" encoding="utf-8"?>
 <a:theme xmlns:a="http://schemas.openxmlformats.org/drawingml/2006/main" name="Thème Office">
   <a:themeElements>

--- a/outputs/Figures.pptx
+++ b/outputs/Figures.pptx
@@ -245,7 +245,7 @@
           <a:p>
             <a:fld id="{E9B23B7C-432E-4D69-AF1C-60ED56ABBCA5}" type="datetimeFigureOut">
               <a:rPr lang="fr-FR" smtClean="0"/>
-              <a:t>16/01/2022</a:t>
+              <a:t>23/01/2022</a:t>
             </a:fld>
             <a:endParaRPr lang="fr-FR"/>
           </a:p>
@@ -415,7 +415,7 @@
           <a:p>
             <a:fld id="{E9B23B7C-432E-4D69-AF1C-60ED56ABBCA5}" type="datetimeFigureOut">
               <a:rPr lang="fr-FR" smtClean="0"/>
-              <a:t>16/01/2022</a:t>
+              <a:t>23/01/2022</a:t>
             </a:fld>
             <a:endParaRPr lang="fr-FR"/>
           </a:p>
@@ -595,7 +595,7 @@
           <a:p>
             <a:fld id="{E9B23B7C-432E-4D69-AF1C-60ED56ABBCA5}" type="datetimeFigureOut">
               <a:rPr lang="fr-FR" smtClean="0"/>
-              <a:t>16/01/2022</a:t>
+              <a:t>23/01/2022</a:t>
             </a:fld>
             <a:endParaRPr lang="fr-FR"/>
           </a:p>
@@ -765,7 +765,7 @@
           <a:p>
             <a:fld id="{E9B23B7C-432E-4D69-AF1C-60ED56ABBCA5}" type="datetimeFigureOut">
               <a:rPr lang="fr-FR" smtClean="0"/>
-              <a:t>16/01/2022</a:t>
+              <a:t>23/01/2022</a:t>
             </a:fld>
             <a:endParaRPr lang="fr-FR"/>
           </a:p>
@@ -1011,7 +1011,7 @@
           <a:p>
             <a:fld id="{E9B23B7C-432E-4D69-AF1C-60ED56ABBCA5}" type="datetimeFigureOut">
               <a:rPr lang="fr-FR" smtClean="0"/>
-              <a:t>16/01/2022</a:t>
+              <a:t>23/01/2022</a:t>
             </a:fld>
             <a:endParaRPr lang="fr-FR"/>
           </a:p>
@@ -1243,7 +1243,7 @@
           <a:p>
             <a:fld id="{E9B23B7C-432E-4D69-AF1C-60ED56ABBCA5}" type="datetimeFigureOut">
               <a:rPr lang="fr-FR" smtClean="0"/>
-              <a:t>16/01/2022</a:t>
+              <a:t>23/01/2022</a:t>
             </a:fld>
             <a:endParaRPr lang="fr-FR"/>
           </a:p>
@@ -1610,7 +1610,7 @@
           <a:p>
             <a:fld id="{E9B23B7C-432E-4D69-AF1C-60ED56ABBCA5}" type="datetimeFigureOut">
               <a:rPr lang="fr-FR" smtClean="0"/>
-              <a:t>16/01/2022</a:t>
+              <a:t>23/01/2022</a:t>
             </a:fld>
             <a:endParaRPr lang="fr-FR"/>
           </a:p>
@@ -1728,7 +1728,7 @@
           <a:p>
             <a:fld id="{E9B23B7C-432E-4D69-AF1C-60ED56ABBCA5}" type="datetimeFigureOut">
               <a:rPr lang="fr-FR" smtClean="0"/>
-              <a:t>16/01/2022</a:t>
+              <a:t>23/01/2022</a:t>
             </a:fld>
             <a:endParaRPr lang="fr-FR"/>
           </a:p>
@@ -1823,7 +1823,7 @@
           <a:p>
             <a:fld id="{E9B23B7C-432E-4D69-AF1C-60ED56ABBCA5}" type="datetimeFigureOut">
               <a:rPr lang="fr-FR" smtClean="0"/>
-              <a:t>16/01/2022</a:t>
+              <a:t>23/01/2022</a:t>
             </a:fld>
             <a:endParaRPr lang="fr-FR"/>
           </a:p>
@@ -2100,7 +2100,7 @@
           <a:p>
             <a:fld id="{E9B23B7C-432E-4D69-AF1C-60ED56ABBCA5}" type="datetimeFigureOut">
               <a:rPr lang="fr-FR" smtClean="0"/>
-              <a:t>16/01/2022</a:t>
+              <a:t>23/01/2022</a:t>
             </a:fld>
             <a:endParaRPr lang="fr-FR"/>
           </a:p>
@@ -2353,7 +2353,7 @@
           <a:p>
             <a:fld id="{E9B23B7C-432E-4D69-AF1C-60ED56ABBCA5}" type="datetimeFigureOut">
               <a:rPr lang="fr-FR" smtClean="0"/>
-              <a:t>16/01/2022</a:t>
+              <a:t>23/01/2022</a:t>
             </a:fld>
             <a:endParaRPr lang="fr-FR"/>
           </a:p>
@@ -2566,7 +2566,7 @@
           <a:p>
             <a:fld id="{E9B23B7C-432E-4D69-AF1C-60ED56ABBCA5}" type="datetimeFigureOut">
               <a:rPr lang="fr-FR" smtClean="0"/>
-              <a:t>16/01/2022</a:t>
+              <a:t>23/01/2022</a:t>
             </a:fld>
             <a:endParaRPr lang="fr-FR"/>
           </a:p>

--- a/outputs/Figures.pptx
+++ b/outputs/Figures.pptx
@@ -245,7 +245,7 @@
           <a:p>
             <a:fld id="{E9B23B7C-432E-4D69-AF1C-60ED56ABBCA5}" type="datetimeFigureOut">
               <a:rPr lang="fr-FR" smtClean="0"/>
-              <a:t>23/01/2022</a:t>
+              <a:t>02/02/2022</a:t>
             </a:fld>
             <a:endParaRPr lang="fr-FR"/>
           </a:p>
@@ -415,7 +415,7 @@
           <a:p>
             <a:fld id="{E9B23B7C-432E-4D69-AF1C-60ED56ABBCA5}" type="datetimeFigureOut">
               <a:rPr lang="fr-FR" smtClean="0"/>
-              <a:t>23/01/2022</a:t>
+              <a:t>02/02/2022</a:t>
             </a:fld>
             <a:endParaRPr lang="fr-FR"/>
           </a:p>
@@ -595,7 +595,7 @@
           <a:p>
             <a:fld id="{E9B23B7C-432E-4D69-AF1C-60ED56ABBCA5}" type="datetimeFigureOut">
               <a:rPr lang="fr-FR" smtClean="0"/>
-              <a:t>23/01/2022</a:t>
+              <a:t>02/02/2022</a:t>
             </a:fld>
             <a:endParaRPr lang="fr-FR"/>
           </a:p>
@@ -765,7 +765,7 @@
           <a:p>
             <a:fld id="{E9B23B7C-432E-4D69-AF1C-60ED56ABBCA5}" type="datetimeFigureOut">
               <a:rPr lang="fr-FR" smtClean="0"/>
-              <a:t>23/01/2022</a:t>
+              <a:t>02/02/2022</a:t>
             </a:fld>
             <a:endParaRPr lang="fr-FR"/>
           </a:p>
@@ -1011,7 +1011,7 @@
           <a:p>
             <a:fld id="{E9B23B7C-432E-4D69-AF1C-60ED56ABBCA5}" type="datetimeFigureOut">
               <a:rPr lang="fr-FR" smtClean="0"/>
-              <a:t>23/01/2022</a:t>
+              <a:t>02/02/2022</a:t>
             </a:fld>
             <a:endParaRPr lang="fr-FR"/>
           </a:p>
@@ -1243,7 +1243,7 @@
           <a:p>
             <a:fld id="{E9B23B7C-432E-4D69-AF1C-60ED56ABBCA5}" type="datetimeFigureOut">
               <a:rPr lang="fr-FR" smtClean="0"/>
-              <a:t>23/01/2022</a:t>
+              <a:t>02/02/2022</a:t>
             </a:fld>
             <a:endParaRPr lang="fr-FR"/>
           </a:p>
@@ -1610,7 +1610,7 @@
           <a:p>
             <a:fld id="{E9B23B7C-432E-4D69-AF1C-60ED56ABBCA5}" type="datetimeFigureOut">
               <a:rPr lang="fr-FR" smtClean="0"/>
-              <a:t>23/01/2022</a:t>
+              <a:t>02/02/2022</a:t>
             </a:fld>
             <a:endParaRPr lang="fr-FR"/>
           </a:p>
@@ -1728,7 +1728,7 @@
           <a:p>
             <a:fld id="{E9B23B7C-432E-4D69-AF1C-60ED56ABBCA5}" type="datetimeFigureOut">
               <a:rPr lang="fr-FR" smtClean="0"/>
-              <a:t>23/01/2022</a:t>
+              <a:t>02/02/2022</a:t>
             </a:fld>
             <a:endParaRPr lang="fr-FR"/>
           </a:p>
@@ -1823,7 +1823,7 @@
           <a:p>
             <a:fld id="{E9B23B7C-432E-4D69-AF1C-60ED56ABBCA5}" type="datetimeFigureOut">
               <a:rPr lang="fr-FR" smtClean="0"/>
-              <a:t>23/01/2022</a:t>
+              <a:t>02/02/2022</a:t>
             </a:fld>
             <a:endParaRPr lang="fr-FR"/>
           </a:p>
@@ -2100,7 +2100,7 @@
           <a:p>
             <a:fld id="{E9B23B7C-432E-4D69-AF1C-60ED56ABBCA5}" type="datetimeFigureOut">
               <a:rPr lang="fr-FR" smtClean="0"/>
-              <a:t>23/01/2022</a:t>
+              <a:t>02/02/2022</a:t>
             </a:fld>
             <a:endParaRPr lang="fr-FR"/>
           </a:p>
@@ -2353,7 +2353,7 @@
           <a:p>
             <a:fld id="{E9B23B7C-432E-4D69-AF1C-60ED56ABBCA5}" type="datetimeFigureOut">
               <a:rPr lang="fr-FR" smtClean="0"/>
-              <a:t>23/01/2022</a:t>
+              <a:t>02/02/2022</a:t>
             </a:fld>
             <a:endParaRPr lang="fr-FR"/>
           </a:p>
@@ -2566,7 +2566,7 @@
           <a:p>
             <a:fld id="{E9B23B7C-432E-4D69-AF1C-60ED56ABBCA5}" type="datetimeFigureOut">
               <a:rPr lang="fr-FR" smtClean="0"/>
-              <a:t>23/01/2022</a:t>
+              <a:t>02/02/2022</a:t>
             </a:fld>
             <a:endParaRPr lang="fr-FR"/>
           </a:p>
